--- a/Scratch/mediaeval_1.pptx
+++ b/Scratch/mediaeval_1.pptx
@@ -6,10 +6,7 @@
   </p:sldMasterIdLst>
   <p:sldIdLst>
     <p:sldId id="256" r:id="rId2"/>
-    <p:sldId id="261" r:id="rId3"/>
-    <p:sldId id="258" r:id="rId4"/>
-    <p:sldId id="259" r:id="rId5"/>
-    <p:sldId id="260" r:id="rId6"/>
+    <p:sldId id="257" r:id="rId3"/>
   </p:sldIdLst>
   <p:sldSz cx="12192000" cy="6858000"/>
   <p:notesSz cx="6858000" cy="9144000"/>
@@ -108,6 +105,11 @@
       </a:defRPr>
     </a:lvl9pPr>
   </p:defaultTextStyle>
+  <p:extLst>
+    <p:ext uri="{EFAFB233-063F-42B5-8137-9DF3F51BA10A}">
+      <p15:sldGuideLst xmlns:p15="http://schemas.microsoft.com/office/powerpoint/2012/main"/>
+    </p:ext>
+  </p:extLst>
 </p:presentation>
 </file>
 
@@ -3327,10 +3329,10 @@
       </p:grpSpPr>
       <p:pic>
         <p:nvPicPr>
-          <p:cNvPr id="5" name="Рисунок 4">
-            <a:extLst>
-              <a:ext uri="{FF2B5EF4-FFF2-40B4-BE49-F238E27FC236}">
-                <a16:creationId xmlns:a16="http://schemas.microsoft.com/office/drawing/2014/main" id="{0AF7236C-3385-872D-C43E-8142DB7AF6D1}"/>
+          <p:cNvPr id="3" name="Рисунок 2">
+            <a:extLst>
+              <a:ext uri="{FF2B5EF4-FFF2-40B4-BE49-F238E27FC236}">
+                <a16:creationId xmlns:a16="http://schemas.microsoft.com/office/drawing/2014/main" id="{11ECB614-6A85-4618-6E15-FB9F6B2D131E}"/>
               </a:ext>
             </a:extLst>
           </p:cNvPr>
@@ -3347,8 +3349,8 @@
         </p:blipFill>
         <p:spPr>
           <a:xfrm>
-            <a:off x="899888" y="221258"/>
-            <a:ext cx="1248224" cy="6069407"/>
+            <a:off x="412355" y="145974"/>
+            <a:ext cx="2886075" cy="6296025"/>
           </a:xfrm>
           <a:prstGeom prst="rect">
             <a:avLst/>
@@ -3357,10 +3359,10 @@
       </p:pic>
       <p:pic>
         <p:nvPicPr>
-          <p:cNvPr id="7" name="Рисунок 6">
-            <a:extLst>
-              <a:ext uri="{FF2B5EF4-FFF2-40B4-BE49-F238E27FC236}">
-                <a16:creationId xmlns:a16="http://schemas.microsoft.com/office/drawing/2014/main" id="{E5D0B9E2-4C21-4DFC-DC80-C4EC73299000}"/>
+          <p:cNvPr id="6" name="Рисунок 5">
+            <a:extLst>
+              <a:ext uri="{FF2B5EF4-FFF2-40B4-BE49-F238E27FC236}">
+                <a16:creationId xmlns:a16="http://schemas.microsoft.com/office/drawing/2014/main" id="{5C6A6121-83D9-6C1B-321C-A6ED51628440}"/>
               </a:ext>
             </a:extLst>
           </p:cNvPr>
@@ -3377,8 +3379,74 @@
         </p:blipFill>
         <p:spPr>
           <a:xfrm>
-            <a:off x="4038088" y="442050"/>
-            <a:ext cx="6705600" cy="5200650"/>
+            <a:off x="9403284" y="615609"/>
+            <a:ext cx="2590800" cy="4914900"/>
+          </a:xfrm>
+          <a:prstGeom prst="rect">
+            <a:avLst/>
+          </a:prstGeom>
+        </p:spPr>
+      </p:pic>
+      <p:pic>
+        <p:nvPicPr>
+          <p:cNvPr id="9" name="Рисунок 8">
+            <a:extLst>
+              <a:ext uri="{FF2B5EF4-FFF2-40B4-BE49-F238E27FC236}">
+                <a16:creationId xmlns:a16="http://schemas.microsoft.com/office/drawing/2014/main" id="{93F293C8-0645-1B0B-1B49-5A59B23F98EF}"/>
+              </a:ext>
+            </a:extLst>
+          </p:cNvPr>
+          <p:cNvPicPr>
+            <a:picLocks noChangeAspect="1"/>
+          </p:cNvPicPr>
+          <p:nvPr/>
+        </p:nvPicPr>
+        <p:blipFill>
+          <a:blip r:embed="rId4">
+            <a:extLst>
+              <a:ext uri="{28A0092B-C50C-407E-A947-70E740481C1C}">
+                <a14:useLocalDpi xmlns:a14="http://schemas.microsoft.com/office/drawing/2010/main" val="0"/>
+              </a:ext>
+            </a:extLst>
+          </a:blip>
+          <a:stretch>
+            <a:fillRect/>
+          </a:stretch>
+        </p:blipFill>
+        <p:spPr>
+          <a:xfrm>
+            <a:off x="6505711" y="615609"/>
+            <a:ext cx="2821517" cy="4914900"/>
+          </a:xfrm>
+          <a:prstGeom prst="rect">
+            <a:avLst/>
+          </a:prstGeom>
+        </p:spPr>
+      </p:pic>
+      <p:pic>
+        <p:nvPicPr>
+          <p:cNvPr id="11" name="Рисунок 10">
+            <a:extLst>
+              <a:ext uri="{FF2B5EF4-FFF2-40B4-BE49-F238E27FC236}">
+                <a16:creationId xmlns:a16="http://schemas.microsoft.com/office/drawing/2014/main" id="{50B3AB8F-58CD-1FC2-DD57-504D1D87A3BB}"/>
+              </a:ext>
+            </a:extLst>
+          </p:cNvPr>
+          <p:cNvPicPr>
+            <a:picLocks noChangeAspect="1"/>
+          </p:cNvPicPr>
+          <p:nvPr/>
+        </p:nvPicPr>
+        <p:blipFill>
+          <a:blip r:embed="rId5"/>
+          <a:stretch>
+            <a:fillRect/>
+          </a:stretch>
+        </p:blipFill>
+        <p:spPr>
+          <a:xfrm>
+            <a:off x="3686717" y="615609"/>
+            <a:ext cx="2818994" cy="4914900"/>
           </a:xfrm>
           <a:prstGeom prst="rect">
             <a:avLst/>
@@ -3417,10 +3485,10 @@
       </p:grpSpPr>
       <p:pic>
         <p:nvPicPr>
-          <p:cNvPr id="3" name="Рисунок 2">
-            <a:extLst>
-              <a:ext uri="{FF2B5EF4-FFF2-40B4-BE49-F238E27FC236}">
-                <a16:creationId xmlns:a16="http://schemas.microsoft.com/office/drawing/2014/main" id="{3F23D6CF-ED26-6E76-062B-CEA7A9723D65}"/>
+          <p:cNvPr id="11" name="Рисунок 10">
+            <a:extLst>
+              <a:ext uri="{FF2B5EF4-FFF2-40B4-BE49-F238E27FC236}">
+                <a16:creationId xmlns:a16="http://schemas.microsoft.com/office/drawing/2014/main" id="{A378A4EC-908B-24B3-E64E-6DAB8E2D4548}"/>
               </a:ext>
             </a:extLst>
           </p:cNvPr>
@@ -3437,8 +3505,8 @@
         </p:blipFill>
         <p:spPr>
           <a:xfrm>
-            <a:off x="1841682" y="645303"/>
-            <a:ext cx="3400425" cy="3419475"/>
+            <a:off x="145401" y="357187"/>
+            <a:ext cx="3800475" cy="6143625"/>
           </a:xfrm>
           <a:prstGeom prst="rect">
             <a:avLst/>
@@ -3447,10 +3515,10 @@
       </p:pic>
       <p:pic>
         <p:nvPicPr>
-          <p:cNvPr id="5" name="Рисунок 4">
-            <a:extLst>
-              <a:ext uri="{FF2B5EF4-FFF2-40B4-BE49-F238E27FC236}">
-                <a16:creationId xmlns:a16="http://schemas.microsoft.com/office/drawing/2014/main" id="{129A3EAC-2763-1945-8630-1D9EB04EF25D}"/>
+          <p:cNvPr id="13" name="Рисунок 12">
+            <a:extLst>
+              <a:ext uri="{FF2B5EF4-FFF2-40B4-BE49-F238E27FC236}">
+                <a16:creationId xmlns:a16="http://schemas.microsoft.com/office/drawing/2014/main" id="{4F67B4C9-35FA-CDF6-BD09-3257961343FF}"/>
               </a:ext>
             </a:extLst>
           </p:cNvPr>
@@ -3467,8 +3535,38 @@
         </p:blipFill>
         <p:spPr>
           <a:xfrm>
-            <a:off x="6149793" y="571660"/>
-            <a:ext cx="4200525" cy="4991100"/>
+            <a:off x="4557712" y="1022913"/>
+            <a:ext cx="3076575" cy="4505325"/>
+          </a:xfrm>
+          <a:prstGeom prst="rect">
+            <a:avLst/>
+          </a:prstGeom>
+        </p:spPr>
+      </p:pic>
+      <p:pic>
+        <p:nvPicPr>
+          <p:cNvPr id="15" name="Рисунок 14">
+            <a:extLst>
+              <a:ext uri="{FF2B5EF4-FFF2-40B4-BE49-F238E27FC236}">
+                <a16:creationId xmlns:a16="http://schemas.microsoft.com/office/drawing/2014/main" id="{9537764D-2038-2D05-E2C2-FD259FA09A7A}"/>
+              </a:ext>
+            </a:extLst>
+          </p:cNvPr>
+          <p:cNvPicPr>
+            <a:picLocks noChangeAspect="1"/>
+          </p:cNvPicPr>
+          <p:nvPr/>
+        </p:nvPicPr>
+        <p:blipFill>
+          <a:blip r:embed="rId4"/>
+          <a:stretch>
+            <a:fillRect/>
+          </a:stretch>
+        </p:blipFill>
+        <p:spPr>
+          <a:xfrm>
+            <a:off x="8246125" y="1073480"/>
+            <a:ext cx="3114675" cy="4600575"/>
           </a:xfrm>
           <a:prstGeom prst="rect">
             <a:avLst/>
@@ -3478,217 +3576,7 @@
     </p:spTree>
     <p:extLst>
       <p:ext uri="{BB962C8B-B14F-4D97-AF65-F5344CB8AC3E}">
-        <p14:creationId xmlns:p14="http://schemas.microsoft.com/office/powerpoint/2010/main" val="2330979298"/>
-      </p:ext>
-    </p:extLst>
-  </p:cSld>
-  <p:clrMapOvr>
-    <a:masterClrMapping/>
-  </p:clrMapOvr>
-</p:sld>
-</file>
-
-<file path=ppt/slides/slide3.xml><?xml version="1.0" encoding="utf-8"?>
-<p:sld xmlns:a="http://schemas.openxmlformats.org/drawingml/2006/main" xmlns:r="http://schemas.openxmlformats.org/officeDocument/2006/relationships" xmlns:p="http://schemas.openxmlformats.org/presentationml/2006/main">
-  <p:cSld>
-    <p:spTree>
-      <p:nvGrpSpPr>
-        <p:cNvPr id="1" name=""/>
-        <p:cNvGrpSpPr/>
-        <p:nvPr/>
-      </p:nvGrpSpPr>
-      <p:grpSpPr>
-        <a:xfrm>
-          <a:off x="0" y="0"/>
-          <a:ext cx="0" cy="0"/>
-          <a:chOff x="0" y="0"/>
-          <a:chExt cx="0" cy="0"/>
-        </a:xfrm>
-      </p:grpSpPr>
-      <p:pic>
-        <p:nvPicPr>
-          <p:cNvPr id="3" name="Рисунок 2">
-            <a:extLst>
-              <a:ext uri="{FF2B5EF4-FFF2-40B4-BE49-F238E27FC236}">
-                <a16:creationId xmlns:a16="http://schemas.microsoft.com/office/drawing/2014/main" id="{A2DC7EC4-A67E-A6EA-723E-DE27A97BD5AA}"/>
-              </a:ext>
-            </a:extLst>
-          </p:cNvPr>
-          <p:cNvPicPr>
-            <a:picLocks noChangeAspect="1"/>
-          </p:cNvPicPr>
-          <p:nvPr/>
-        </p:nvPicPr>
-        <p:blipFill>
-          <a:blip r:embed="rId2"/>
-          <a:stretch>
-            <a:fillRect/>
-          </a:stretch>
-        </p:blipFill>
-        <p:spPr>
-          <a:xfrm>
-            <a:off x="454835" y="654668"/>
-            <a:ext cx="4286250" cy="3867150"/>
-          </a:xfrm>
-          <a:prstGeom prst="rect">
-            <a:avLst/>
-          </a:prstGeom>
-        </p:spPr>
-      </p:pic>
-      <p:pic>
-        <p:nvPicPr>
-          <p:cNvPr id="5" name="Рисунок 4">
-            <a:extLst>
-              <a:ext uri="{FF2B5EF4-FFF2-40B4-BE49-F238E27FC236}">
-                <a16:creationId xmlns:a16="http://schemas.microsoft.com/office/drawing/2014/main" id="{E7193160-5561-1039-C4AA-01D3264B3CFE}"/>
-              </a:ext>
-            </a:extLst>
-          </p:cNvPr>
-          <p:cNvPicPr>
-            <a:picLocks noChangeAspect="1"/>
-          </p:cNvPicPr>
-          <p:nvPr/>
-        </p:nvPicPr>
-        <p:blipFill>
-          <a:blip r:embed="rId3"/>
-          <a:stretch>
-            <a:fillRect/>
-          </a:stretch>
-        </p:blipFill>
-        <p:spPr>
-          <a:xfrm>
-            <a:off x="6691056" y="312758"/>
-            <a:ext cx="4676775" cy="6048375"/>
-          </a:xfrm>
-          <a:prstGeom prst="rect">
-            <a:avLst/>
-          </a:prstGeom>
-        </p:spPr>
-      </p:pic>
-    </p:spTree>
-    <p:extLst>
-      <p:ext uri="{BB962C8B-B14F-4D97-AF65-F5344CB8AC3E}">
-        <p14:creationId xmlns:p14="http://schemas.microsoft.com/office/powerpoint/2010/main" val="1799015654"/>
-      </p:ext>
-    </p:extLst>
-  </p:cSld>
-  <p:clrMapOvr>
-    <a:masterClrMapping/>
-  </p:clrMapOvr>
-</p:sld>
-</file>
-
-<file path=ppt/slides/slide4.xml><?xml version="1.0" encoding="utf-8"?>
-<p:sld xmlns:a="http://schemas.openxmlformats.org/drawingml/2006/main" xmlns:r="http://schemas.openxmlformats.org/officeDocument/2006/relationships" xmlns:p="http://schemas.openxmlformats.org/presentationml/2006/main">
-  <p:cSld>
-    <p:spTree>
-      <p:nvGrpSpPr>
-        <p:cNvPr id="1" name=""/>
-        <p:cNvGrpSpPr/>
-        <p:nvPr/>
-      </p:nvGrpSpPr>
-      <p:grpSpPr>
-        <a:xfrm>
-          <a:off x="0" y="0"/>
-          <a:ext cx="0" cy="0"/>
-          <a:chOff x="0" y="0"/>
-          <a:chExt cx="0" cy="0"/>
-        </a:xfrm>
-      </p:grpSpPr>
-      <p:pic>
-        <p:nvPicPr>
-          <p:cNvPr id="3" name="Рисунок 2">
-            <a:extLst>
-              <a:ext uri="{FF2B5EF4-FFF2-40B4-BE49-F238E27FC236}">
-                <a16:creationId xmlns:a16="http://schemas.microsoft.com/office/drawing/2014/main" id="{F7E27006-A8A0-437A-16B4-0605C2BC8432}"/>
-              </a:ext>
-            </a:extLst>
-          </p:cNvPr>
-          <p:cNvPicPr>
-            <a:picLocks noChangeAspect="1"/>
-          </p:cNvPicPr>
-          <p:nvPr/>
-        </p:nvPicPr>
-        <p:blipFill>
-          <a:blip r:embed="rId2"/>
-          <a:stretch>
-            <a:fillRect/>
-          </a:stretch>
-        </p:blipFill>
-        <p:spPr>
-          <a:xfrm>
-            <a:off x="819150" y="352425"/>
-            <a:ext cx="10553700" cy="6153150"/>
-          </a:xfrm>
-          <a:prstGeom prst="rect">
-            <a:avLst/>
-          </a:prstGeom>
-        </p:spPr>
-      </p:pic>
-    </p:spTree>
-    <p:extLst>
-      <p:ext uri="{BB962C8B-B14F-4D97-AF65-F5344CB8AC3E}">
-        <p14:creationId xmlns:p14="http://schemas.microsoft.com/office/powerpoint/2010/main" val="3212271224"/>
-      </p:ext>
-    </p:extLst>
-  </p:cSld>
-  <p:clrMapOvr>
-    <a:masterClrMapping/>
-  </p:clrMapOvr>
-</p:sld>
-</file>
-
-<file path=ppt/slides/slide5.xml><?xml version="1.0" encoding="utf-8"?>
-<p:sld xmlns:a="http://schemas.openxmlformats.org/drawingml/2006/main" xmlns:r="http://schemas.openxmlformats.org/officeDocument/2006/relationships" xmlns:p="http://schemas.openxmlformats.org/presentationml/2006/main">
-  <p:cSld>
-    <p:spTree>
-      <p:nvGrpSpPr>
-        <p:cNvPr id="1" name=""/>
-        <p:cNvGrpSpPr/>
-        <p:nvPr/>
-      </p:nvGrpSpPr>
-      <p:grpSpPr>
-        <a:xfrm>
-          <a:off x="0" y="0"/>
-          <a:ext cx="0" cy="0"/>
-          <a:chOff x="0" y="0"/>
-          <a:chExt cx="0" cy="0"/>
-        </a:xfrm>
-      </p:grpSpPr>
-      <p:pic>
-        <p:nvPicPr>
-          <p:cNvPr id="3" name="Рисунок 2">
-            <a:extLst>
-              <a:ext uri="{FF2B5EF4-FFF2-40B4-BE49-F238E27FC236}">
-                <a16:creationId xmlns:a16="http://schemas.microsoft.com/office/drawing/2014/main" id="{6F1B6D51-9B4D-CADC-4EA3-43D48796535B}"/>
-              </a:ext>
-            </a:extLst>
-          </p:cNvPr>
-          <p:cNvPicPr>
-            <a:picLocks noChangeAspect="1"/>
-          </p:cNvPicPr>
-          <p:nvPr/>
-        </p:nvPicPr>
-        <p:blipFill>
-          <a:blip r:embed="rId2"/>
-          <a:stretch>
-            <a:fillRect/>
-          </a:stretch>
-        </p:blipFill>
-        <p:spPr>
-          <a:xfrm>
-            <a:off x="1218701" y="-42958"/>
-            <a:ext cx="6391569" cy="6858000"/>
-          </a:xfrm>
-          <a:prstGeom prst="rect">
-            <a:avLst/>
-          </a:prstGeom>
-        </p:spPr>
-      </p:pic>
-    </p:spTree>
-    <p:extLst>
-      <p:ext uri="{BB962C8B-B14F-4D97-AF65-F5344CB8AC3E}">
-        <p14:creationId xmlns:p14="http://schemas.microsoft.com/office/powerpoint/2010/main" val="2050057547"/>
+        <p14:creationId xmlns:p14="http://schemas.microsoft.com/office/powerpoint/2010/main" val="2823833360"/>
       </p:ext>
     </p:extLst>
   </p:cSld>
